--- a/Prezentacija/Obrana od napada na multimodalne modele.pptx
+++ b/Prezentacija/Obrana od napada na multimodalne modele.pptx
@@ -5,7 +5,7 @@
     <p:sldMasterId id="2147483660" r:id="rId1"/>
   </p:sldMasterIdLst>
   <p:notesMasterIdLst>
-    <p:notesMasterId r:id="rId20"/>
+    <p:notesMasterId r:id="rId21"/>
   </p:notesMasterIdLst>
   <p:sldIdLst>
     <p:sldId id="256" r:id="rId2"/>
@@ -18,14 +18,15 @@
     <p:sldId id="263" r:id="rId9"/>
     <p:sldId id="264" r:id="rId10"/>
     <p:sldId id="265" r:id="rId11"/>
-    <p:sldId id="266" r:id="rId12"/>
-    <p:sldId id="267" r:id="rId13"/>
-    <p:sldId id="268" r:id="rId14"/>
-    <p:sldId id="269" r:id="rId15"/>
-    <p:sldId id="270" r:id="rId16"/>
-    <p:sldId id="271" r:id="rId17"/>
-    <p:sldId id="272" r:id="rId18"/>
-    <p:sldId id="273" r:id="rId19"/>
+    <p:sldId id="274" r:id="rId12"/>
+    <p:sldId id="266" r:id="rId13"/>
+    <p:sldId id="267" r:id="rId14"/>
+    <p:sldId id="268" r:id="rId15"/>
+    <p:sldId id="269" r:id="rId16"/>
+    <p:sldId id="270" r:id="rId17"/>
+    <p:sldId id="271" r:id="rId18"/>
+    <p:sldId id="272" r:id="rId19"/>
+    <p:sldId id="273" r:id="rId20"/>
   </p:sldIdLst>
   <p:sldSz cx="12192000" cy="6858000"/>
   <p:notesSz cx="6858000" cy="9144000"/>
@@ -124,6 +125,11 @@
       </a:defRPr>
     </a:lvl9pPr>
   </p:defaultTextStyle>
+  <p:extLst>
+    <p:ext uri="{EFAFB233-063F-42B5-8137-9DF3F51BA10A}">
+      <p15:sldGuideLst xmlns:p15="http://schemas.microsoft.com/office/powerpoint/2012/main"/>
+    </p:ext>
+  </p:extLst>
 </p:presentation>
 </file>
 
@@ -209,7 +215,7 @@
           <a:p>
             <a:fld id="{4EC22A23-FA0E-43FF-AD6A-5A9DC9E7A77F}" type="datetimeFigureOut">
               <a:rPr lang="hr-HR" smtClean="0"/>
-              <a:t>25.1.2025.</a:t>
+              <a:t>26.1.2025.</a:t>
             </a:fld>
             <a:endParaRPr lang="hr-HR"/>
           </a:p>
@@ -671,7 +677,7 @@
           <a:p>
             <a:fld id="{08F0DB6F-6EB1-4D7D-9BCC-E96C905FFC52}" type="datetime1">
               <a:rPr lang="hr-HR" smtClean="0"/>
-              <a:t>25.1.2025.</a:t>
+              <a:t>26.1.2025.</a:t>
             </a:fld>
             <a:endParaRPr lang="hr-HR"/>
           </a:p>
@@ -841,7 +847,7 @@
           <a:p>
             <a:fld id="{1D8897EE-C1D5-4E52-876C-358FABA2E6DD}" type="datetime1">
               <a:rPr lang="hr-HR" smtClean="0"/>
-              <a:t>25.1.2025.</a:t>
+              <a:t>26.1.2025.</a:t>
             </a:fld>
             <a:endParaRPr lang="hr-HR"/>
           </a:p>
@@ -1062,7 +1068,7 @@
           <a:p>
             <a:fld id="{846F014D-1E5A-4CE6-87B2-A696E1D2C514}" type="datetime1">
               <a:rPr lang="hr-HR" smtClean="0"/>
-              <a:t>25.1.2025.</a:t>
+              <a:t>26.1.2025.</a:t>
             </a:fld>
             <a:endParaRPr lang="hr-HR"/>
           </a:p>
@@ -1273,7 +1279,7 @@
           <a:p>
             <a:fld id="{CC657D9C-C0AF-48FA-BBAF-7CAA57C23F8E}" type="datetime1">
               <a:rPr lang="hr-HR" smtClean="0"/>
-              <a:t>25.1.2025.</a:t>
+              <a:t>26.1.2025.</a:t>
             </a:fld>
             <a:endParaRPr lang="hr-HR"/>
           </a:p>
@@ -1568,7 +1574,7 @@
           <a:p>
             <a:fld id="{70E6B098-981F-45CA-83FF-788349BDC294}" type="datetime1">
               <a:rPr lang="hr-HR" smtClean="0"/>
-              <a:t>25.1.2025.</a:t>
+              <a:t>26.1.2025.</a:t>
             </a:fld>
             <a:endParaRPr lang="hr-HR"/>
           </a:p>
@@ -1897,7 +1903,7 @@
           <a:p>
             <a:fld id="{8F06E4C2-5A97-4809-9A3F-0AD2CD797138}" type="datetime1">
               <a:rPr lang="hr-HR" smtClean="0"/>
-              <a:t>25.1.2025.</a:t>
+              <a:t>26.1.2025.</a:t>
             </a:fld>
             <a:endParaRPr lang="hr-HR"/>
           </a:p>
@@ -2389,7 +2395,7 @@
           <a:p>
             <a:fld id="{7760B546-6293-4D30-BD97-A6B6A01C90BF}" type="datetime1">
               <a:rPr lang="hr-HR" smtClean="0"/>
-              <a:t>25.1.2025.</a:t>
+              <a:t>26.1.2025.</a:t>
             </a:fld>
             <a:endParaRPr lang="hr-HR"/>
           </a:p>
@@ -2548,7 +2554,7 @@
           <a:p>
             <a:fld id="{C5F7632D-88EC-4C5E-9269-EEF5AECE77DB}" type="datetime1">
               <a:rPr lang="hr-HR" smtClean="0"/>
-              <a:t>25.1.2025.</a:t>
+              <a:t>26.1.2025.</a:t>
             </a:fld>
             <a:endParaRPr lang="hr-HR"/>
           </a:p>
@@ -2684,7 +2690,7 @@
           <a:p>
             <a:fld id="{40E43FE3-F849-413C-9C82-49701E1B3EF3}" type="datetime1">
               <a:rPr lang="hr-HR" smtClean="0"/>
-              <a:t>25.1.2025.</a:t>
+              <a:t>26.1.2025.</a:t>
             </a:fld>
             <a:endParaRPr lang="hr-HR"/>
           </a:p>
@@ -3012,7 +3018,7 @@
           <a:p>
             <a:fld id="{058D4826-6613-4A6F-B53D-11761422A9FC}" type="datetime1">
               <a:rPr lang="hr-HR" smtClean="0"/>
-              <a:t>25.1.2025.</a:t>
+              <a:t>26.1.2025.</a:t>
             </a:fld>
             <a:endParaRPr lang="hr-HR"/>
           </a:p>
@@ -3327,7 +3333,7 @@
           <a:p>
             <a:fld id="{CB3A042B-28D4-4EE9-A191-0F90C01EB3D9}" type="datetime1">
               <a:rPr lang="hr-HR" smtClean="0"/>
-              <a:t>25.1.2025.</a:t>
+              <a:t>26.1.2025.</a:t>
             </a:fld>
             <a:endParaRPr lang="hr-HR"/>
           </a:p>
@@ -3579,7 +3585,7 @@
           <a:p>
             <a:fld id="{DE49A88E-18D6-498E-8265-50D671D76CD0}" type="datetime1">
               <a:rPr lang="hr-HR" smtClean="0"/>
-              <a:t>25.1.2025.</a:t>
+              <a:t>26.1.2025.</a:t>
             </a:fld>
             <a:endParaRPr lang="hr-HR"/>
           </a:p>
@@ -4090,8 +4096,8 @@
         </p:nvSpPr>
         <p:spPr>
           <a:xfrm>
-            <a:off x="1003178" y="758952"/>
-            <a:ext cx="9348186" cy="4041648"/>
+            <a:off x="1003177" y="758952"/>
+            <a:ext cx="9650967" cy="4041648"/>
           </a:xfrm>
         </p:spPr>
         <p:txBody>
@@ -4111,7 +4117,33 @@
                 <a:latin typeface="Arial" panose="020B0604020202020204" pitchFamily="34" charset="0"/>
                 <a:cs typeface="Arial" panose="020B0604020202020204" pitchFamily="34" charset="0"/>
               </a:rPr>
-              <a:t>Obrana od napada na multimodalne modele</a:t>
+              <a:t>Obrana od</a:t>
+            </a:r>
+            <a:r>
+              <a:rPr lang="en-US" noProof="0" dirty="0">
+                <a:solidFill>
+                  <a:schemeClr val="tx1">
+                    <a:lumMod val="65000"/>
+                    <a:lumOff val="35000"/>
+                  </a:schemeClr>
+                </a:solidFill>
+                <a:latin typeface="Arial" panose="020B0604020202020204" pitchFamily="34" charset="0"/>
+                <a:cs typeface="Arial" panose="020B0604020202020204" pitchFamily="34" charset="0"/>
+              </a:rPr>
+              <a:t> backdoor</a:t>
+            </a:r>
+            <a:r>
+              <a:rPr lang="hr-HR" noProof="0" dirty="0">
+                <a:solidFill>
+                  <a:schemeClr val="tx1">
+                    <a:lumMod val="65000"/>
+                    <a:lumOff val="35000"/>
+                  </a:schemeClr>
+                </a:solidFill>
+                <a:latin typeface="Arial" panose="020B0604020202020204" pitchFamily="34" charset="0"/>
+                <a:cs typeface="Arial" panose="020B0604020202020204" pitchFamily="34" charset="0"/>
+              </a:rPr>
+              <a:t> napada na multimodalne modele</a:t>
             </a:r>
           </a:p>
         </p:txBody>
@@ -4480,6 +4512,277 @@
   <p:cSld>
     <p:spTree>
       <p:nvGrpSpPr>
+        <p:cNvPr id="1" name="">
+          <a:extLst>
+            <a:ext uri="{FF2B5EF4-FFF2-40B4-BE49-F238E27FC236}">
+              <a16:creationId xmlns:a16="http://schemas.microsoft.com/office/drawing/2014/main" id="{88491E6A-93E2-CEF2-7ACA-726C49939E6F}"/>
+            </a:ext>
+          </a:extLst>
+        </p:cNvPr>
+        <p:cNvGrpSpPr/>
+        <p:nvPr/>
+      </p:nvGrpSpPr>
+      <p:grpSpPr>
+        <a:xfrm>
+          <a:off x="0" y="0"/>
+          <a:ext cx="0" cy="0"/>
+          <a:chOff x="0" y="0"/>
+          <a:chExt cx="0" cy="0"/>
+        </a:xfrm>
+      </p:grpSpPr>
+      <p:sp>
+        <p:nvSpPr>
+          <p:cNvPr id="2" name="Title 1">
+            <a:extLst>
+              <a:ext uri="{FF2B5EF4-FFF2-40B4-BE49-F238E27FC236}">
+                <a16:creationId xmlns:a16="http://schemas.microsoft.com/office/drawing/2014/main" id="{47B137DB-77BF-3940-D056-CC1D48A6D047}"/>
+              </a:ext>
+            </a:extLst>
+          </p:cNvPr>
+          <p:cNvSpPr>
+            <a:spLocks noGrp="1"/>
+          </p:cNvSpPr>
+          <p:nvPr>
+            <p:ph type="title"/>
+          </p:nvPr>
+        </p:nvSpPr>
+        <p:spPr/>
+        <p:txBody>
+          <a:bodyPr/>
+          <a:lstStyle/>
+          <a:p>
+            <a:r>
+              <a:rPr lang="hr-HR" noProof="0" dirty="0">
+                <a:latin typeface="Arial" panose="020B0604020202020204" pitchFamily="34" charset="0"/>
+                <a:cs typeface="Arial" panose="020B0604020202020204" pitchFamily="34" charset="0"/>
+              </a:rPr>
+              <a:t>Obrana SafeCLIP</a:t>
+            </a:r>
+          </a:p>
+        </p:txBody>
+      </p:sp>
+      <p:sp>
+        <p:nvSpPr>
+          <p:cNvPr id="3" name="Content Placeholder 2">
+            <a:extLst>
+              <a:ext uri="{FF2B5EF4-FFF2-40B4-BE49-F238E27FC236}">
+                <a16:creationId xmlns:a16="http://schemas.microsoft.com/office/drawing/2014/main" id="{E56A79ED-F653-A087-78AB-6EDF082B09B6}"/>
+              </a:ext>
+            </a:extLst>
+          </p:cNvPr>
+          <p:cNvSpPr>
+            <a:spLocks noGrp="1"/>
+          </p:cNvSpPr>
+          <p:nvPr>
+            <p:ph idx="1"/>
+          </p:nvPr>
+        </p:nvSpPr>
+        <p:spPr>
+          <a:xfrm>
+            <a:off x="1261871" y="1828799"/>
+            <a:ext cx="10110423" cy="5131293"/>
+          </a:xfrm>
+        </p:spPr>
+        <p:txBody>
+          <a:bodyPr>
+            <a:normAutofit fontScale="92500" lnSpcReduction="10000"/>
+          </a:bodyPr>
+          <a:lstStyle/>
+          <a:p>
+            <a:pPr marL="274320" lvl="1" indent="0">
+              <a:buNone/>
+            </a:pPr>
+            <a:r>
+              <a:rPr lang="hr-HR" sz="2800" dirty="0">
+                <a:latin typeface="Arial" panose="020B0604020202020204" pitchFamily="34" charset="0"/>
+                <a:cs typeface="Arial" panose="020B0604020202020204" pitchFamily="34" charset="0"/>
+              </a:rPr>
+              <a:t>Unimodalno kontrastno zagrijavanje</a:t>
+            </a:r>
+          </a:p>
+          <a:p>
+            <a:pPr lvl="2"/>
+            <a:r>
+              <a:rPr lang="hr-HR" sz="2800" dirty="0">
+                <a:latin typeface="Arial" panose="020B0604020202020204" pitchFamily="34" charset="0"/>
+                <a:cs typeface="Arial" panose="020B0604020202020204" pitchFamily="34" charset="0"/>
+              </a:rPr>
+              <a:t>zasebno učenje na skupu svih slika, kao i na skupu svih opisa</a:t>
+            </a:r>
+          </a:p>
+          <a:p>
+            <a:pPr lvl="2"/>
+            <a:r>
+              <a:rPr lang="hr-HR" sz="2800" dirty="0">
+                <a:latin typeface="Arial" panose="020B0604020202020204" pitchFamily="34" charset="0"/>
+                <a:cs typeface="Arial" panose="020B0604020202020204" pitchFamily="34" charset="0"/>
+              </a:rPr>
+              <a:t>unimodalni gubitak – modifikacija infoNCE gubitka</a:t>
+            </a:r>
+          </a:p>
+          <a:p>
+            <a:pPr lvl="2"/>
+            <a:endParaRPr lang="hr-HR" sz="2800" dirty="0">
+              <a:latin typeface="Arial" panose="020B0604020202020204" pitchFamily="34" charset="0"/>
+              <a:cs typeface="Arial" panose="020B0604020202020204" pitchFamily="34" charset="0"/>
+            </a:endParaRPr>
+          </a:p>
+          <a:p>
+            <a:pPr marL="274320" lvl="1" indent="0">
+              <a:buNone/>
+            </a:pPr>
+            <a:r>
+              <a:rPr lang="hr-HR" sz="2800" dirty="0">
+                <a:latin typeface="Arial" panose="020B0604020202020204" pitchFamily="34" charset="0"/>
+                <a:cs typeface="Arial" panose="020B0604020202020204" pitchFamily="34" charset="0"/>
+              </a:rPr>
+              <a:t>Primjena CLIP gubitka uz smanjenu stopu učenja</a:t>
+            </a:r>
+          </a:p>
+          <a:p>
+            <a:pPr lvl="2"/>
+            <a:r>
+              <a:rPr lang="hr-HR" sz="2800" dirty="0">
+                <a:latin typeface="Arial" panose="020B0604020202020204" pitchFamily="34" charset="0"/>
+                <a:cs typeface="Arial" panose="020B0604020202020204" pitchFamily="34" charset="0"/>
+              </a:rPr>
+              <a:t>zajedničko učenje s ciljem približavanja ugrađivanja slika i odgovarajućih opisa</a:t>
+            </a:r>
+          </a:p>
+          <a:p>
+            <a:pPr lvl="2"/>
+            <a:r>
+              <a:rPr lang="hr-HR" sz="2800" dirty="0">
+                <a:latin typeface="Arial" panose="020B0604020202020204" pitchFamily="34" charset="0"/>
+                <a:cs typeface="Arial" panose="020B0604020202020204" pitchFamily="34" charset="0"/>
+              </a:rPr>
+              <a:t>manja stopa učenja kako bi se izbjeglo trovanje</a:t>
+            </a:r>
+          </a:p>
+          <a:p>
+            <a:pPr lvl="2"/>
+            <a:endParaRPr lang="hr-HR" sz="2800" dirty="0">
+              <a:latin typeface="Arial" panose="020B0604020202020204" pitchFamily="34" charset="0"/>
+              <a:cs typeface="Arial" panose="020B0604020202020204" pitchFamily="34" charset="0"/>
+            </a:endParaRPr>
+          </a:p>
+          <a:p>
+            <a:pPr marL="274320" lvl="1" indent="0">
+              <a:buNone/>
+            </a:pPr>
+            <a:r>
+              <a:rPr lang="hr-HR" sz="2800" dirty="0">
+                <a:latin typeface="Arial" panose="020B0604020202020204" pitchFamily="34" charset="0"/>
+                <a:cs typeface="Arial" panose="020B0604020202020204" pitchFamily="34" charset="0"/>
+              </a:rPr>
+              <a:t>Učenje s CLIP gubitkom i unimodalnim gubitkom</a:t>
+            </a:r>
+          </a:p>
+          <a:p>
+            <a:pPr lvl="2"/>
+            <a:r>
+              <a:rPr lang="hr-HR" sz="2800" dirty="0">
+                <a:latin typeface="Arial" panose="020B0604020202020204" pitchFamily="34" charset="0"/>
+                <a:cs typeface="Arial" panose="020B0604020202020204" pitchFamily="34" charset="0"/>
+              </a:rPr>
+              <a:t>podjela na sigurni i nesigurni skup na temelju odluka GMM-a</a:t>
+            </a:r>
+          </a:p>
+          <a:p>
+            <a:pPr lvl="2"/>
+            <a:r>
+              <a:rPr lang="hr-HR" sz="2800" dirty="0">
+                <a:latin typeface="Arial" panose="020B0604020202020204" pitchFamily="34" charset="0"/>
+                <a:cs typeface="Arial" panose="020B0604020202020204" pitchFamily="34" charset="0"/>
+              </a:rPr>
+              <a:t>s</a:t>
+            </a:r>
+            <a:r>
+              <a:rPr lang="hr-HR" sz="2800" noProof="0" dirty="0">
+                <a:latin typeface="Arial" panose="020B0604020202020204" pitchFamily="34" charset="0"/>
+                <a:cs typeface="Arial" panose="020B0604020202020204" pitchFamily="34" charset="0"/>
+              </a:rPr>
+              <a:t>igurni skup – zajedničko učenje </a:t>
+            </a:r>
+          </a:p>
+          <a:p>
+            <a:pPr lvl="2"/>
+            <a:r>
+              <a:rPr lang="hr-HR" sz="2800" dirty="0">
+                <a:latin typeface="Arial" panose="020B0604020202020204" pitchFamily="34" charset="0"/>
+                <a:cs typeface="Arial" panose="020B0604020202020204" pitchFamily="34" charset="0"/>
+              </a:rPr>
+              <a:t>nesigurni skup – unimodalno učenje</a:t>
+            </a:r>
+            <a:endParaRPr lang="hr-HR" sz="2800" noProof="0" dirty="0">
+              <a:latin typeface="Arial" panose="020B0604020202020204" pitchFamily="34" charset="0"/>
+              <a:cs typeface="Arial" panose="020B0604020202020204" pitchFamily="34" charset="0"/>
+            </a:endParaRPr>
+          </a:p>
+          <a:p>
+            <a:pPr lvl="2"/>
+            <a:endParaRPr lang="hr-HR" sz="2400" noProof="0" dirty="0">
+              <a:latin typeface="Arial" panose="020B0604020202020204" pitchFamily="34" charset="0"/>
+              <a:cs typeface="Arial" panose="020B0604020202020204" pitchFamily="34" charset="0"/>
+            </a:endParaRPr>
+          </a:p>
+          <a:p>
+            <a:pPr lvl="1"/>
+            <a:endParaRPr lang="hr-HR" sz="2600" noProof="0" dirty="0">
+              <a:latin typeface="Arial" panose="020B0604020202020204" pitchFamily="34" charset="0"/>
+              <a:cs typeface="Arial" panose="020B0604020202020204" pitchFamily="34" charset="0"/>
+            </a:endParaRPr>
+          </a:p>
+        </p:txBody>
+      </p:sp>
+      <p:sp>
+        <p:nvSpPr>
+          <p:cNvPr id="5" name="Slide Number Placeholder 4">
+            <a:extLst>
+              <a:ext uri="{FF2B5EF4-FFF2-40B4-BE49-F238E27FC236}">
+                <a16:creationId xmlns:a16="http://schemas.microsoft.com/office/drawing/2014/main" id="{D0A7DCF3-5E34-BB41-57CB-ABCF2D70C6DF}"/>
+              </a:ext>
+            </a:extLst>
+          </p:cNvPr>
+          <p:cNvSpPr>
+            <a:spLocks noGrp="1"/>
+          </p:cNvSpPr>
+          <p:nvPr>
+            <p:ph type="sldNum" sz="quarter" idx="12"/>
+          </p:nvPr>
+        </p:nvSpPr>
+        <p:spPr/>
+        <p:txBody>
+          <a:bodyPr>
+            <a:normAutofit lnSpcReduction="10000"/>
+          </a:bodyPr>
+          <a:lstStyle/>
+          <a:p>
+            <a:r>
+              <a:rPr lang="hr-HR" dirty="0"/>
+              <a:t>10</a:t>
+            </a:r>
+          </a:p>
+        </p:txBody>
+      </p:sp>
+    </p:spTree>
+    <p:extLst>
+      <p:ext uri="{BB962C8B-B14F-4D97-AF65-F5344CB8AC3E}">
+        <p14:creationId xmlns:p14="http://schemas.microsoft.com/office/powerpoint/2010/main" val="3243471539"/>
+      </p:ext>
+    </p:extLst>
+  </p:cSld>
+  <p:clrMapOvr>
+    <a:masterClrMapping/>
+  </p:clrMapOvr>
+</p:sld>
+</file>
+
+<file path=ppt/slides/slide12.xml><?xml version="1.0" encoding="utf-8"?>
+<p:sld xmlns:a="http://schemas.openxmlformats.org/drawingml/2006/main" xmlns:r="http://schemas.openxmlformats.org/officeDocument/2006/relationships" xmlns:p="http://schemas.openxmlformats.org/presentationml/2006/main">
+  <p:cSld>
+    <p:spTree>
+      <p:nvGrpSpPr>
         <p:cNvPr id="1" name=""/>
         <p:cNvGrpSpPr/>
         <p:nvPr/>
@@ -4536,7 +4839,7 @@
 </p:sld>
 </file>
 
-<file path=ppt/slides/slide12.xml><?xml version="1.0" encoding="utf-8"?>
+<file path=ppt/slides/slide13.xml><?xml version="1.0" encoding="utf-8"?>
 <p:sld xmlns:a="http://schemas.openxmlformats.org/drawingml/2006/main" xmlns:r="http://schemas.openxmlformats.org/officeDocument/2006/relationships" xmlns:p="http://schemas.openxmlformats.org/presentationml/2006/main">
   <p:cSld>
     <p:spTree>
@@ -4697,7 +5000,7 @@
           <a:p>
             <a:r>
               <a:rPr lang="hr-HR" dirty="0"/>
-              <a:t>10</a:t>
+              <a:t>11</a:t>
             </a:r>
           </a:p>
         </p:txBody>
@@ -4750,7 +5053,7 @@
 </p:sld>
 </file>
 
-<file path=ppt/slides/slide13.xml><?xml version="1.0" encoding="utf-8"?>
+<file path=ppt/slides/slide14.xml><?xml version="1.0" encoding="utf-8"?>
 <p:sld xmlns:a="http://schemas.openxmlformats.org/drawingml/2006/main" xmlns:r="http://schemas.openxmlformats.org/officeDocument/2006/relationships" xmlns:p="http://schemas.openxmlformats.org/presentationml/2006/main">
   <p:cSld>
     <p:spTree>
@@ -4897,7 +5200,7 @@
           <a:p>
             <a:r>
               <a:rPr lang="hr-HR" dirty="0"/>
-              <a:t>11</a:t>
+              <a:t>12</a:t>
             </a:r>
           </a:p>
         </p:txBody>
@@ -4984,7 +5287,7 @@
 </p:sld>
 </file>
 
-<file path=ppt/slides/slide14.xml><?xml version="1.0" encoding="utf-8"?>
+<file path=ppt/slides/slide15.xml><?xml version="1.0" encoding="utf-8"?>
 <p:sld xmlns:a="http://schemas.openxmlformats.org/drawingml/2006/main" xmlns:r="http://schemas.openxmlformats.org/officeDocument/2006/relationships" xmlns:p="http://schemas.openxmlformats.org/presentationml/2006/main">
   <p:cSld>
     <p:spTree>
@@ -5253,7 +5556,7 @@
           <a:p>
             <a:r>
               <a:rPr lang="hr-HR" dirty="0"/>
-              <a:t>12</a:t>
+              <a:t>13</a:t>
             </a:r>
           </a:p>
         </p:txBody>
@@ -5305,7 +5608,7 @@
 </p:sld>
 </file>
 
-<file path=ppt/slides/slide15.xml><?xml version="1.0" encoding="utf-8"?>
+<file path=ppt/slides/slide16.xml><?xml version="1.0" encoding="utf-8"?>
 <p:sld xmlns:a="http://schemas.openxmlformats.org/drawingml/2006/main" xmlns:r="http://schemas.openxmlformats.org/officeDocument/2006/relationships" xmlns:p="http://schemas.openxmlformats.org/presentationml/2006/main">
   <p:cSld>
     <p:spTree>
@@ -5384,7 +5687,7 @@
           <a:p>
             <a:r>
               <a:rPr lang="hr-HR" dirty="0"/>
-              <a:t>13</a:t>
+              <a:t>14</a:t>
             </a:r>
           </a:p>
         </p:txBody>
@@ -5550,7 +5853,7 @@
 </p:sld>
 </file>
 
-<file path=ppt/slides/slide16.xml><?xml version="1.0" encoding="utf-8"?>
+<file path=ppt/slides/slide17.xml><?xml version="1.0" encoding="utf-8"?>
 <p:sld xmlns:a="http://schemas.openxmlformats.org/drawingml/2006/main" xmlns:r="http://schemas.openxmlformats.org/officeDocument/2006/relationships" xmlns:p="http://schemas.openxmlformats.org/presentationml/2006/main">
   <p:cSld>
     <p:spTree>
@@ -5739,7 +6042,7 @@
           <a:p>
             <a:r>
               <a:rPr lang="hr-HR" dirty="0"/>
-              <a:t>14</a:t>
+              <a:t>15</a:t>
             </a:r>
           </a:p>
         </p:txBody>
@@ -5791,7 +6094,7 @@
 </p:sld>
 </file>
 
-<file path=ppt/slides/slide17.xml><?xml version="1.0" encoding="utf-8"?>
+<file path=ppt/slides/slide18.xml><?xml version="1.0" encoding="utf-8"?>
 <p:sld xmlns:a="http://schemas.openxmlformats.org/drawingml/2006/main" xmlns:r="http://schemas.openxmlformats.org/officeDocument/2006/relationships" xmlns:p="http://schemas.openxmlformats.org/presentationml/2006/main">
   <p:cSld>
     <p:spTree>
@@ -6352,7 +6655,7 @@
           <a:p>
             <a:r>
               <a:rPr lang="hr-HR" dirty="0"/>
-              <a:t>15</a:t>
+              <a:t>16</a:t>
             </a:r>
           </a:p>
         </p:txBody>
@@ -6404,7 +6707,7 @@
 </p:sld>
 </file>
 
-<file path=ppt/slides/slide18.xml><?xml version="1.0" encoding="utf-8"?>
+<file path=ppt/slides/slide19.xml><?xml version="1.0" encoding="utf-8"?>
 <p:sld xmlns:a="http://schemas.openxmlformats.org/drawingml/2006/main" xmlns:r="http://schemas.openxmlformats.org/officeDocument/2006/relationships" xmlns:p="http://schemas.openxmlformats.org/presentationml/2006/main">
   <p:cSld>
     <p:spTree>
@@ -7863,7 +8166,12 @@
             <p:ph idx="1"/>
           </p:nvPr>
         </p:nvSpPr>
-        <p:spPr/>
+        <p:spPr>
+          <a:xfrm>
+            <a:off x="1261872" y="1828800"/>
+            <a:ext cx="8574856" cy="4351337"/>
+          </a:xfrm>
+        </p:spPr>
         <p:txBody>
           <a:bodyPr>
             <a:normAutofit/>
@@ -7920,6 +8228,20 @@
                 <a:cs typeface="Arial" panose="020B0604020202020204" pitchFamily="34" charset="0"/>
               </a:rPr>
               <a:t>đivanje stražnjih vrata u model</a:t>
+            </a:r>
+            <a:r>
+              <a:rPr lang="en-US" sz="2600" dirty="0">
+                <a:latin typeface="Arial" panose="020B0604020202020204" pitchFamily="34" charset="0"/>
+                <a:cs typeface="Arial" panose="020B0604020202020204" pitchFamily="34" charset="0"/>
+              </a:rPr>
+              <a:t> (</a:t>
+            </a:r>
+            <a:r>
+              <a:rPr lang="hr-HR" sz="2600" dirty="0">
+                <a:latin typeface="Arial" panose="020B0604020202020204" pitchFamily="34" charset="0"/>
+                <a:cs typeface="Arial" panose="020B0604020202020204" pitchFamily="34" charset="0"/>
+              </a:rPr>
+              <a:t>tijekom kasnijeg korištenja, model daje krivo predviđanje ako je na ulazu slika s okidačem)</a:t>
             </a:r>
             <a:endParaRPr lang="hr-HR" sz="2600" noProof="0" dirty="0">
               <a:latin typeface="Arial" panose="020B0604020202020204" pitchFamily="34" charset="0"/>
@@ -7993,8 +8315,8 @@
         </p:blipFill>
         <p:spPr>
           <a:xfrm>
-            <a:off x="4170254" y="3659778"/>
-            <a:ext cx="3851491" cy="2904024"/>
+            <a:off x="4412690" y="4177771"/>
+            <a:ext cx="3366619" cy="2538431"/>
           </a:xfrm>
           <a:prstGeom prst="rect">
             <a:avLst/>
